--- a/doc/containers.pptx
+++ b/doc/containers.pptx
@@ -1484,7 +1484,7 @@
           <a:p>
             <a:fld id="{8502E297-D75F-47FE-B859-D42A64FA169B}" type="datetimeFigureOut">
               <a:rPr lang="en-US" smtClean="0"/>
-              <a:t>6/1/2022</a:t>
+              <a:t>6/9/2022</a:t>
             </a:fld>
             <a:endParaRPr lang="en-US"/>
           </a:p>
@@ -1682,7 +1682,7 @@
           <a:p>
             <a:fld id="{8502E297-D75F-47FE-B859-D42A64FA169B}" type="datetimeFigureOut">
               <a:rPr lang="en-US" smtClean="0"/>
-              <a:t>6/1/2022</a:t>
+              <a:t>6/9/2022</a:t>
             </a:fld>
             <a:endParaRPr lang="en-US"/>
           </a:p>
@@ -1890,7 +1890,7 @@
           <a:p>
             <a:fld id="{8502E297-D75F-47FE-B859-D42A64FA169B}" type="datetimeFigureOut">
               <a:rPr lang="en-US" smtClean="0"/>
-              <a:t>6/1/2022</a:t>
+              <a:t>6/9/2022</a:t>
             </a:fld>
             <a:endParaRPr lang="en-US"/>
           </a:p>
@@ -2088,7 +2088,7 @@
           <a:p>
             <a:fld id="{8502E297-D75F-47FE-B859-D42A64FA169B}" type="datetimeFigureOut">
               <a:rPr lang="en-US" smtClean="0"/>
-              <a:t>6/1/2022</a:t>
+              <a:t>6/9/2022</a:t>
             </a:fld>
             <a:endParaRPr lang="en-US"/>
           </a:p>
@@ -2363,7 +2363,7 @@
           <a:p>
             <a:fld id="{8502E297-D75F-47FE-B859-D42A64FA169B}" type="datetimeFigureOut">
               <a:rPr lang="en-US" smtClean="0"/>
-              <a:t>6/1/2022</a:t>
+              <a:t>6/9/2022</a:t>
             </a:fld>
             <a:endParaRPr lang="en-US"/>
           </a:p>
@@ -2628,7 +2628,7 @@
           <a:p>
             <a:fld id="{8502E297-D75F-47FE-B859-D42A64FA169B}" type="datetimeFigureOut">
               <a:rPr lang="en-US" smtClean="0"/>
-              <a:t>6/1/2022</a:t>
+              <a:t>6/9/2022</a:t>
             </a:fld>
             <a:endParaRPr lang="en-US"/>
           </a:p>
@@ -3040,7 +3040,7 @@
           <a:p>
             <a:fld id="{8502E297-D75F-47FE-B859-D42A64FA169B}" type="datetimeFigureOut">
               <a:rPr lang="en-US" smtClean="0"/>
-              <a:t>6/1/2022</a:t>
+              <a:t>6/9/2022</a:t>
             </a:fld>
             <a:endParaRPr lang="en-US"/>
           </a:p>
@@ -3181,7 +3181,7 @@
           <a:p>
             <a:fld id="{8502E297-D75F-47FE-B859-D42A64FA169B}" type="datetimeFigureOut">
               <a:rPr lang="en-US" smtClean="0"/>
-              <a:t>6/1/2022</a:t>
+              <a:t>6/9/2022</a:t>
             </a:fld>
             <a:endParaRPr lang="en-US"/>
           </a:p>
@@ -3294,7 +3294,7 @@
           <a:p>
             <a:fld id="{8502E297-D75F-47FE-B859-D42A64FA169B}" type="datetimeFigureOut">
               <a:rPr lang="en-US" smtClean="0"/>
-              <a:t>6/1/2022</a:t>
+              <a:t>6/9/2022</a:t>
             </a:fld>
             <a:endParaRPr lang="en-US"/>
           </a:p>
@@ -3605,7 +3605,7 @@
           <a:p>
             <a:fld id="{8502E297-D75F-47FE-B859-D42A64FA169B}" type="datetimeFigureOut">
               <a:rPr lang="en-US" smtClean="0"/>
-              <a:t>6/1/2022</a:t>
+              <a:t>6/9/2022</a:t>
             </a:fld>
             <a:endParaRPr lang="en-US"/>
           </a:p>
@@ -3896,7 +3896,7 @@
           <a:p>
             <a:fld id="{8502E297-D75F-47FE-B859-D42A64FA169B}" type="datetimeFigureOut">
               <a:rPr lang="en-US" smtClean="0"/>
-              <a:t>6/1/2022</a:t>
+              <a:t>6/9/2022</a:t>
             </a:fld>
             <a:endParaRPr lang="en-US"/>
           </a:p>
@@ -4137,7 +4137,7 @@
           <a:p>
             <a:fld id="{8502E297-D75F-47FE-B859-D42A64FA169B}" type="datetimeFigureOut">
               <a:rPr lang="en-US" smtClean="0"/>
-              <a:t>6/1/2022</a:t>
+              <a:t>6/9/2022</a:t>
             </a:fld>
             <a:endParaRPr lang="en-US"/>
           </a:p>
@@ -4626,7 +4626,12 @@
             <p:ph type="ctrTitle"/>
           </p:nvPr>
         </p:nvSpPr>
-        <p:spPr/>
+        <p:spPr>
+          <a:xfrm>
+            <a:off x="1578334" y="420625"/>
+            <a:ext cx="9035332" cy="1215320"/>
+          </a:xfrm>
+        </p:spPr>
         <p:txBody>
           <a:bodyPr/>
           <a:lstStyle/>
@@ -4655,7 +4660,12 @@
             <p:ph type="subTitle" idx="1"/>
           </p:nvPr>
         </p:nvSpPr>
-        <p:spPr/>
+        <p:spPr>
+          <a:xfrm>
+            <a:off x="1490869" y="1717181"/>
+            <a:ext cx="9122797" cy="588299"/>
+          </a:xfrm>
+        </p:spPr>
         <p:txBody>
           <a:bodyPr/>
           <a:lstStyle/>
@@ -4680,6 +4690,42 @@
           </a:p>
         </p:txBody>
       </p:sp>
+      <p:pic>
+        <p:nvPicPr>
+          <p:cNvPr id="4" name="Content Placeholder 8" descr="A picture containing diagram&#10;&#10;Description automatically generated">
+            <a:extLst>
+              <a:ext uri="{FF2B5EF4-FFF2-40B4-BE49-F238E27FC236}">
+                <a16:creationId xmlns:a16="http://schemas.microsoft.com/office/drawing/2014/main" id="{06EDF0C7-5FDB-ED18-F68C-992111EF5179}"/>
+              </a:ext>
+            </a:extLst>
+          </p:cNvPr>
+          <p:cNvPicPr>
+            <a:picLocks noChangeAspect="1"/>
+          </p:cNvPicPr>
+          <p:nvPr/>
+        </p:nvPicPr>
+        <p:blipFill>
+          <a:blip r:embed="rId2">
+            <a:extLst>
+              <a:ext uri="{28A0092B-C50C-407E-A947-70E740481C1C}">
+                <a14:useLocalDpi xmlns:a14="http://schemas.microsoft.com/office/drawing/2010/main" val="0"/>
+              </a:ext>
+            </a:extLst>
+          </a:blip>
+          <a:stretch>
+            <a:fillRect/>
+          </a:stretch>
+        </p:blipFill>
+        <p:spPr>
+          <a:xfrm>
+            <a:off x="643467" y="2975017"/>
+            <a:ext cx="10905066" cy="3462358"/>
+          </a:xfrm>
+          <a:prstGeom prst="rect">
+            <a:avLst/>
+          </a:prstGeom>
+        </p:spPr>
+      </p:pic>
     </p:spTree>
     <p:extLst>
       <p:ext uri="{BB962C8B-B14F-4D97-AF65-F5344CB8AC3E}">
@@ -10788,7 +10834,15 @@
           <a:p>
             <a:r>
               <a:rPr lang="sv-SE" sz="2000" dirty="0"/>
-              <a:t>Kubernetes laddar hem image om den inte finns lokalt</a:t>
+              <a:t>Kubernetes laddar hem från </a:t>
+            </a:r>
+            <a:r>
+              <a:rPr lang="sv-SE" sz="2000" dirty="0" err="1"/>
+              <a:t>registry</a:t>
+            </a:r>
+            <a:r>
+              <a:rPr lang="sv-SE" sz="2000" dirty="0"/>
+              <a:t> om den inte finns lokalt</a:t>
             </a:r>
             <a:endParaRPr lang="en-US" sz="2000" dirty="0"/>
           </a:p>
@@ -17686,44 +17740,31 @@
           <a:chExt cx="0" cy="0"/>
         </a:xfrm>
       </p:grpSpPr>
-      <p:pic>
-        <p:nvPicPr>
-          <p:cNvPr id="9" name="Content Placeholder 8" descr="A picture containing diagram&#10;&#10;Description automatically generated">
+      <p:sp>
+        <p:nvSpPr>
+          <p:cNvPr id="3" name="Content Placeholder 2">
             <a:extLst>
               <a:ext uri="{FF2B5EF4-FFF2-40B4-BE49-F238E27FC236}">
-                <a16:creationId xmlns:a16="http://schemas.microsoft.com/office/drawing/2014/main" id="{386564B4-9FF6-152C-BCC5-E0AFCB5D0A21}"/>
+                <a16:creationId xmlns:a16="http://schemas.microsoft.com/office/drawing/2014/main" id="{D59A01CD-4400-8C0C-9A07-C10543EED6C7}"/>
               </a:ext>
             </a:extLst>
           </p:cNvPr>
-          <p:cNvPicPr>
-            <a:picLocks noGrp="1" noChangeAspect="1"/>
-          </p:cNvPicPr>
+          <p:cNvSpPr>
+            <a:spLocks noGrp="1"/>
+          </p:cNvSpPr>
           <p:nvPr>
             <p:ph idx="1"/>
           </p:nvPr>
-        </p:nvPicPr>
-        <p:blipFill>
-          <a:blip r:embed="rId2">
-            <a:extLst>
-              <a:ext uri="{28A0092B-C50C-407E-A947-70E740481C1C}">
-                <a14:useLocalDpi xmlns:a14="http://schemas.microsoft.com/office/drawing/2010/main" val="0"/>
-              </a:ext>
-            </a:extLst>
-          </a:blip>
-          <a:stretch>
-            <a:fillRect/>
-          </a:stretch>
-        </p:blipFill>
-        <p:spPr>
-          <a:xfrm>
-            <a:off x="643467" y="1697820"/>
-            <a:ext cx="10905066" cy="3462358"/>
-          </a:xfrm>
-          <a:prstGeom prst="rect">
-            <a:avLst/>
-          </a:prstGeom>
-        </p:spPr>
-      </p:pic>
+        </p:nvSpPr>
+        <p:spPr/>
+        <p:txBody>
+          <a:bodyPr/>
+          <a:lstStyle/>
+          <a:p>
+            <a:endParaRPr lang="en-US"/>
+          </a:p>
+        </p:txBody>
+      </p:sp>
     </p:spTree>
     <p:extLst>
       <p:ext uri="{BB962C8B-B14F-4D97-AF65-F5344CB8AC3E}">
@@ -21131,18 +21172,18 @@
 </file>
 
 <file path=customXml/item2.xml><?xml version="1.0" encoding="utf-8"?>
-<p:properties xmlns:p="http://schemas.microsoft.com/office/2006/metadata/properties" xmlns:xsi="http://www.w3.org/2001/XMLSchema-instance" xmlns:pc="http://schemas.microsoft.com/office/infopath/2007/PartnerControls">
-  <documentManagement/>
-</p:properties>
-</file>
-
-<file path=customXml/item3.xml><?xml version="1.0" encoding="utf-8"?>
 <?mso-contentType ?>
 <FormTemplates xmlns="http://schemas.microsoft.com/sharepoint/v3/contenttype/forms">
   <Display>DocumentLibraryForm</Display>
   <Edit>DocumentLibraryForm</Edit>
   <New>DocumentLibraryForm</New>
 </FormTemplates>
+</file>
+
+<file path=customXml/item3.xml><?xml version="1.0" encoding="utf-8"?>
+<p:properties xmlns:p="http://schemas.microsoft.com/office/2006/metadata/properties" xmlns:xsi="http://www.w3.org/2001/XMLSchema-instance" xmlns:pc="http://schemas.microsoft.com/office/infopath/2007/PartnerControls">
+  <documentManagement/>
+</p:properties>
 </file>
 
 <file path=customXml/itemProps1.xml><?xml version="1.0" encoding="utf-8"?>
@@ -21165,6 +21206,14 @@
 </file>
 
 <file path=customXml/itemProps2.xml><?xml version="1.0" encoding="utf-8"?>
+<ds:datastoreItem xmlns:ds="http://schemas.openxmlformats.org/officeDocument/2006/customXml" ds:itemID="{8215942F-1FB7-40F1-85D1-06C2F89F5479}">
+  <ds:schemaRefs>
+    <ds:schemaRef ds:uri="http://schemas.microsoft.com/sharepoint/v3/contenttype/forms"/>
+  </ds:schemaRefs>
+</ds:datastoreItem>
+</file>
+
+<file path=customXml/itemProps3.xml><?xml version="1.0" encoding="utf-8"?>
 <ds:datastoreItem xmlns:ds="http://schemas.openxmlformats.org/officeDocument/2006/customXml" ds:itemID="{125FA9B0-13F4-4C7A-92AB-A84247D553E6}">
   <ds:schemaRefs>
     <ds:schemaRef ds:uri="http://purl.org/dc/terms/"/>
@@ -21179,12 +21228,4 @@
     <ds:schemaRef ds:uri="http://purl.org/dc/dcmitype/"/>
   </ds:schemaRefs>
 </ds:datastoreItem>
-</file>
-
-<file path=customXml/itemProps3.xml><?xml version="1.0" encoding="utf-8"?>
-<ds:datastoreItem xmlns:ds="http://schemas.openxmlformats.org/officeDocument/2006/customXml" ds:itemID="{8215942F-1FB7-40F1-85D1-06C2F89F5479}">
-  <ds:schemaRefs>
-    <ds:schemaRef ds:uri="http://schemas.microsoft.com/sharepoint/v3/contenttype/forms"/>
-  </ds:schemaRefs>
-</ds:datastoreItem>
 </file>